--- a/documents/спецсем.pptx
+++ b/documents/спецсем.pptx
@@ -2,21 +2,22 @@
 <file path=ppt/presentation.xml><?xml version="1.0" encoding="utf-8"?>
 <p:presentation xmlns:a="http://schemas.openxmlformats.org/drawingml/2006/main" xmlns:r="http://schemas.openxmlformats.org/officeDocument/2006/relationships" xmlns:p="http://schemas.openxmlformats.org/presentationml/2006/main" saveSubsetFonts="1">
   <p:sldMasterIdLst>
-    <p:sldMasterId id="2147483648" r:id="rId1"/>
+    <p:sldMasterId id="2147483660" r:id="rId1"/>
   </p:sldMasterIdLst>
   <p:sldIdLst>
     <p:sldId id="256" r:id="rId2"/>
-    <p:sldId id="257" r:id="rId3"/>
-    <p:sldId id="258" r:id="rId4"/>
-    <p:sldId id="259" r:id="rId5"/>
+    <p:sldId id="267" r:id="rId3"/>
+    <p:sldId id="257" r:id="rId4"/>
+    <p:sldId id="258" r:id="rId5"/>
     <p:sldId id="260" r:id="rId6"/>
     <p:sldId id="261" r:id="rId7"/>
     <p:sldId id="263" r:id="rId8"/>
     <p:sldId id="262" r:id="rId9"/>
     <p:sldId id="264" r:id="rId10"/>
     <p:sldId id="265" r:id="rId11"/>
+    <p:sldId id="266" r:id="rId12"/>
   </p:sldIdLst>
-  <p:sldSz cx="12192000" cy="6858000"/>
+  <p:sldSz cx="9144000" cy="6858000" type="screen4x3"/>
   <p:notesSz cx="6858000" cy="9144000"/>
   <p:defaultTextStyle>
     <a:defPPr>
@@ -140,7 +141,7 @@
       </p:grpSpPr>
       <p:sp>
         <p:nvSpPr>
-          <p:cNvPr id="2" name="Заголовок 1"/>
+          <p:cNvPr id="2" name="Title 1"/>
           <p:cNvSpPr>
             <a:spLocks noGrp="1"/>
           </p:cNvSpPr>
@@ -150,8 +151,8 @@
         </p:nvSpPr>
         <p:spPr>
           <a:xfrm>
-            <a:off x="1524000" y="1122363"/>
-            <a:ext cx="9144000" cy="2387600"/>
+            <a:off x="685800" y="1122363"/>
+            <a:ext cx="7772400" cy="2387600"/>
           </a:xfrm>
         </p:spPr>
         <p:txBody>
@@ -166,13 +167,13 @@
               <a:rPr lang="ru-RU" smtClean="0"/>
               <a:t>Образец заголовка</a:t>
             </a:r>
-            <a:endParaRPr lang="ru-RU"/>
-          </a:p>
-        </p:txBody>
-      </p:sp>
-      <p:sp>
-        <p:nvSpPr>
-          <p:cNvPr id="3" name="Подзаголовок 2"/>
+            <a:endParaRPr lang="en-US" dirty="0"/>
+          </a:p>
+        </p:txBody>
+      </p:sp>
+      <p:sp>
+        <p:nvSpPr>
+          <p:cNvPr id="3" name="Subtitle 2"/>
           <p:cNvSpPr>
             <a:spLocks noGrp="1"/>
           </p:cNvSpPr>
@@ -182,8 +183,8 @@
         </p:nvSpPr>
         <p:spPr>
           <a:xfrm>
-            <a:off x="1524000" y="3602038"/>
-            <a:ext cx="9144000" cy="1655762"/>
+            <a:off x="1143000" y="3602038"/>
+            <a:ext cx="6858000" cy="1655762"/>
           </a:xfrm>
         </p:spPr>
         <p:txBody>
@@ -231,13 +232,13 @@
               <a:rPr lang="ru-RU" smtClean="0"/>
               <a:t>Образец подзаголовка</a:t>
             </a:r>
-            <a:endParaRPr lang="ru-RU"/>
-          </a:p>
-        </p:txBody>
-      </p:sp>
-      <p:sp>
-        <p:nvSpPr>
-          <p:cNvPr id="4" name="Дата 3"/>
+            <a:endParaRPr lang="en-US" dirty="0"/>
+          </a:p>
+        </p:txBody>
+      </p:sp>
+      <p:sp>
+        <p:nvSpPr>
+          <p:cNvPr id="4" name="Date Placeholder 3"/>
           <p:cNvSpPr>
             <a:spLocks noGrp="1"/>
           </p:cNvSpPr>
@@ -252,7 +253,7 @@
           <a:p>
             <a:fld id="{65EAC0B9-C806-493E-B0B4-09E43EA50019}" type="datetimeFigureOut">
               <a:rPr lang="ru-RU" smtClean="0"/>
-              <a:t>01.04.2019</a:t>
+              <a:t>02.06.2019</a:t>
             </a:fld>
             <a:endParaRPr lang="ru-RU"/>
           </a:p>
@@ -260,7 +261,7 @@
       </p:sp>
       <p:sp>
         <p:nvSpPr>
-          <p:cNvPr id="5" name="Нижний колонтитул 4"/>
+          <p:cNvPr id="5" name="Footer Placeholder 4"/>
           <p:cNvSpPr>
             <a:spLocks noGrp="1"/>
           </p:cNvSpPr>
@@ -279,7 +280,7 @@
       </p:sp>
       <p:sp>
         <p:nvSpPr>
-          <p:cNvPr id="6" name="Номер слайда 5"/>
+          <p:cNvPr id="6" name="Slide Number Placeholder 5"/>
           <p:cNvSpPr>
             <a:spLocks noGrp="1"/>
           </p:cNvSpPr>
@@ -303,7 +304,7 @@
     </p:spTree>
     <p:extLst>
       <p:ext uri="{BB962C8B-B14F-4D97-AF65-F5344CB8AC3E}">
-        <p14:creationId xmlns:p14="http://schemas.microsoft.com/office/powerpoint/2010/main" val="1414009214"/>
+        <p14:creationId xmlns:p14="http://schemas.microsoft.com/office/powerpoint/2010/main" val="479405693"/>
       </p:ext>
     </p:extLst>
   </p:cSld>
@@ -332,7 +333,7 @@
       </p:grpSpPr>
       <p:sp>
         <p:nvSpPr>
-          <p:cNvPr id="2" name="Заголовок 1"/>
+          <p:cNvPr id="2" name="Title 1"/>
           <p:cNvSpPr>
             <a:spLocks noGrp="1"/>
           </p:cNvSpPr>
@@ -349,13 +350,13 @@
               <a:rPr lang="ru-RU" smtClean="0"/>
               <a:t>Образец заголовка</a:t>
             </a:r>
-            <a:endParaRPr lang="ru-RU"/>
-          </a:p>
-        </p:txBody>
-      </p:sp>
-      <p:sp>
-        <p:nvSpPr>
-          <p:cNvPr id="3" name="Вертикальный текст 2"/>
+            <a:endParaRPr lang="en-US" dirty="0"/>
+          </a:p>
+        </p:txBody>
+      </p:sp>
+      <p:sp>
+        <p:nvSpPr>
+          <p:cNvPr id="3" name="Vertical Text Placeholder 2"/>
           <p:cNvSpPr>
             <a:spLocks noGrp="1"/>
           </p:cNvSpPr>
@@ -401,13 +402,13 @@
               <a:rPr lang="ru-RU" smtClean="0"/>
               <a:t>Пятый уровень</a:t>
             </a:r>
-            <a:endParaRPr lang="ru-RU"/>
-          </a:p>
-        </p:txBody>
-      </p:sp>
-      <p:sp>
-        <p:nvSpPr>
-          <p:cNvPr id="4" name="Дата 3"/>
+            <a:endParaRPr lang="en-US" dirty="0"/>
+          </a:p>
+        </p:txBody>
+      </p:sp>
+      <p:sp>
+        <p:nvSpPr>
+          <p:cNvPr id="4" name="Date Placeholder 3"/>
           <p:cNvSpPr>
             <a:spLocks noGrp="1"/>
           </p:cNvSpPr>
@@ -422,7 +423,7 @@
           <a:p>
             <a:fld id="{65EAC0B9-C806-493E-B0B4-09E43EA50019}" type="datetimeFigureOut">
               <a:rPr lang="ru-RU" smtClean="0"/>
-              <a:t>01.04.2019</a:t>
+              <a:t>02.06.2019</a:t>
             </a:fld>
             <a:endParaRPr lang="ru-RU"/>
           </a:p>
@@ -430,7 +431,7 @@
       </p:sp>
       <p:sp>
         <p:nvSpPr>
-          <p:cNvPr id="5" name="Нижний колонтитул 4"/>
+          <p:cNvPr id="5" name="Footer Placeholder 4"/>
           <p:cNvSpPr>
             <a:spLocks noGrp="1"/>
           </p:cNvSpPr>
@@ -449,7 +450,7 @@
       </p:sp>
       <p:sp>
         <p:nvSpPr>
-          <p:cNvPr id="6" name="Номер слайда 5"/>
+          <p:cNvPr id="6" name="Slide Number Placeholder 5"/>
           <p:cNvSpPr>
             <a:spLocks noGrp="1"/>
           </p:cNvSpPr>
@@ -473,7 +474,7 @@
     </p:spTree>
     <p:extLst>
       <p:ext uri="{BB962C8B-B14F-4D97-AF65-F5344CB8AC3E}">
-        <p14:creationId xmlns:p14="http://schemas.microsoft.com/office/powerpoint/2010/main" val="2564521898"/>
+        <p14:creationId xmlns:p14="http://schemas.microsoft.com/office/powerpoint/2010/main" val="3210929429"/>
       </p:ext>
     </p:extLst>
   </p:cSld>
@@ -502,7 +503,7 @@
       </p:grpSpPr>
       <p:sp>
         <p:nvSpPr>
-          <p:cNvPr id="2" name="Вертикальный заголовок 1"/>
+          <p:cNvPr id="2" name="Vertical Title 1"/>
           <p:cNvSpPr>
             <a:spLocks noGrp="1"/>
           </p:cNvSpPr>
@@ -512,8 +513,8 @@
         </p:nvSpPr>
         <p:spPr>
           <a:xfrm>
-            <a:off x="8724900" y="365125"/>
-            <a:ext cx="2628900" cy="5811838"/>
+            <a:off x="6543675" y="365125"/>
+            <a:ext cx="1971675" cy="5811838"/>
           </a:xfrm>
         </p:spPr>
         <p:txBody>
@@ -524,13 +525,13 @@
               <a:rPr lang="ru-RU" smtClean="0"/>
               <a:t>Образец заголовка</a:t>
             </a:r>
-            <a:endParaRPr lang="ru-RU"/>
-          </a:p>
-        </p:txBody>
-      </p:sp>
-      <p:sp>
-        <p:nvSpPr>
-          <p:cNvPr id="3" name="Вертикальный текст 2"/>
+            <a:endParaRPr lang="en-US" dirty="0"/>
+          </a:p>
+        </p:txBody>
+      </p:sp>
+      <p:sp>
+        <p:nvSpPr>
+          <p:cNvPr id="3" name="Vertical Text Placeholder 2"/>
           <p:cNvSpPr>
             <a:spLocks noGrp="1"/>
           </p:cNvSpPr>
@@ -540,8 +541,8 @@
         </p:nvSpPr>
         <p:spPr>
           <a:xfrm>
-            <a:off x="838200" y="365125"/>
-            <a:ext cx="7734300" cy="5811838"/>
+            <a:off x="628650" y="365125"/>
+            <a:ext cx="5800725" cy="5811838"/>
           </a:xfrm>
         </p:spPr>
         <p:txBody>
@@ -581,13 +582,13 @@
               <a:rPr lang="ru-RU" smtClean="0"/>
               <a:t>Пятый уровень</a:t>
             </a:r>
-            <a:endParaRPr lang="ru-RU"/>
-          </a:p>
-        </p:txBody>
-      </p:sp>
-      <p:sp>
-        <p:nvSpPr>
-          <p:cNvPr id="4" name="Дата 3"/>
+            <a:endParaRPr lang="en-US" dirty="0"/>
+          </a:p>
+        </p:txBody>
+      </p:sp>
+      <p:sp>
+        <p:nvSpPr>
+          <p:cNvPr id="4" name="Date Placeholder 3"/>
           <p:cNvSpPr>
             <a:spLocks noGrp="1"/>
           </p:cNvSpPr>
@@ -602,7 +603,7 @@
           <a:p>
             <a:fld id="{65EAC0B9-C806-493E-B0B4-09E43EA50019}" type="datetimeFigureOut">
               <a:rPr lang="ru-RU" smtClean="0"/>
-              <a:t>01.04.2019</a:t>
+              <a:t>02.06.2019</a:t>
             </a:fld>
             <a:endParaRPr lang="ru-RU"/>
           </a:p>
@@ -610,7 +611,7 @@
       </p:sp>
       <p:sp>
         <p:nvSpPr>
-          <p:cNvPr id="5" name="Нижний колонтитул 4"/>
+          <p:cNvPr id="5" name="Footer Placeholder 4"/>
           <p:cNvSpPr>
             <a:spLocks noGrp="1"/>
           </p:cNvSpPr>
@@ -629,7 +630,7 @@
       </p:sp>
       <p:sp>
         <p:nvSpPr>
-          <p:cNvPr id="6" name="Номер слайда 5"/>
+          <p:cNvPr id="6" name="Slide Number Placeholder 5"/>
           <p:cNvSpPr>
             <a:spLocks noGrp="1"/>
           </p:cNvSpPr>
@@ -653,7 +654,7 @@
     </p:spTree>
     <p:extLst>
       <p:ext uri="{BB962C8B-B14F-4D97-AF65-F5344CB8AC3E}">
-        <p14:creationId xmlns:p14="http://schemas.microsoft.com/office/powerpoint/2010/main" val="2189492170"/>
+        <p14:creationId xmlns:p14="http://schemas.microsoft.com/office/powerpoint/2010/main" val="2661699714"/>
       </p:ext>
     </p:extLst>
   </p:cSld>
@@ -682,7 +683,7 @@
       </p:grpSpPr>
       <p:sp>
         <p:nvSpPr>
-          <p:cNvPr id="2" name="Заголовок 1"/>
+          <p:cNvPr id="2" name="Title 1"/>
           <p:cNvSpPr>
             <a:spLocks noGrp="1"/>
           </p:cNvSpPr>
@@ -699,13 +700,13 @@
               <a:rPr lang="ru-RU" smtClean="0"/>
               <a:t>Образец заголовка</a:t>
             </a:r>
-            <a:endParaRPr lang="ru-RU"/>
-          </a:p>
-        </p:txBody>
-      </p:sp>
-      <p:sp>
-        <p:nvSpPr>
-          <p:cNvPr id="3" name="Объект 2"/>
+            <a:endParaRPr lang="en-US" dirty="0"/>
+          </a:p>
+        </p:txBody>
+      </p:sp>
+      <p:sp>
+        <p:nvSpPr>
+          <p:cNvPr id="3" name="Content Placeholder 2"/>
           <p:cNvSpPr>
             <a:spLocks noGrp="1"/>
           </p:cNvSpPr>
@@ -751,13 +752,13 @@
               <a:rPr lang="ru-RU" smtClean="0"/>
               <a:t>Пятый уровень</a:t>
             </a:r>
-            <a:endParaRPr lang="ru-RU"/>
-          </a:p>
-        </p:txBody>
-      </p:sp>
-      <p:sp>
-        <p:nvSpPr>
-          <p:cNvPr id="4" name="Дата 3"/>
+            <a:endParaRPr lang="en-US" dirty="0"/>
+          </a:p>
+        </p:txBody>
+      </p:sp>
+      <p:sp>
+        <p:nvSpPr>
+          <p:cNvPr id="4" name="Date Placeholder 3"/>
           <p:cNvSpPr>
             <a:spLocks noGrp="1"/>
           </p:cNvSpPr>
@@ -772,7 +773,7 @@
           <a:p>
             <a:fld id="{65EAC0B9-C806-493E-B0B4-09E43EA50019}" type="datetimeFigureOut">
               <a:rPr lang="ru-RU" smtClean="0"/>
-              <a:t>01.04.2019</a:t>
+              <a:t>02.06.2019</a:t>
             </a:fld>
             <a:endParaRPr lang="ru-RU"/>
           </a:p>
@@ -780,7 +781,7 @@
       </p:sp>
       <p:sp>
         <p:nvSpPr>
-          <p:cNvPr id="5" name="Нижний колонтитул 4"/>
+          <p:cNvPr id="5" name="Footer Placeholder 4"/>
           <p:cNvSpPr>
             <a:spLocks noGrp="1"/>
           </p:cNvSpPr>
@@ -799,7 +800,7 @@
       </p:sp>
       <p:sp>
         <p:nvSpPr>
-          <p:cNvPr id="6" name="Номер слайда 5"/>
+          <p:cNvPr id="6" name="Slide Number Placeholder 5"/>
           <p:cNvSpPr>
             <a:spLocks noGrp="1"/>
           </p:cNvSpPr>
@@ -823,7 +824,7 @@
     </p:spTree>
     <p:extLst>
       <p:ext uri="{BB962C8B-B14F-4D97-AF65-F5344CB8AC3E}">
-        <p14:creationId xmlns:p14="http://schemas.microsoft.com/office/powerpoint/2010/main" val="1866174006"/>
+        <p14:creationId xmlns:p14="http://schemas.microsoft.com/office/powerpoint/2010/main" val="3078046460"/>
       </p:ext>
     </p:extLst>
   </p:cSld>
@@ -852,7 +853,7 @@
       </p:grpSpPr>
       <p:sp>
         <p:nvSpPr>
-          <p:cNvPr id="2" name="Заголовок 1"/>
+          <p:cNvPr id="2" name="Title 1"/>
           <p:cNvSpPr>
             <a:spLocks noGrp="1"/>
           </p:cNvSpPr>
@@ -862,8 +863,8 @@
         </p:nvSpPr>
         <p:spPr>
           <a:xfrm>
-            <a:off x="831850" y="1709738"/>
-            <a:ext cx="10515600" cy="2852737"/>
+            <a:off x="623888" y="1709739"/>
+            <a:ext cx="7886700" cy="2852737"/>
           </a:xfrm>
         </p:spPr>
         <p:txBody>
@@ -878,13 +879,13 @@
               <a:rPr lang="ru-RU" smtClean="0"/>
               <a:t>Образец заголовка</a:t>
             </a:r>
-            <a:endParaRPr lang="ru-RU"/>
-          </a:p>
-        </p:txBody>
-      </p:sp>
-      <p:sp>
-        <p:nvSpPr>
-          <p:cNvPr id="3" name="Текст 2"/>
+            <a:endParaRPr lang="en-US" dirty="0"/>
+          </a:p>
+        </p:txBody>
+      </p:sp>
+      <p:sp>
+        <p:nvSpPr>
+          <p:cNvPr id="3" name="Text Placeholder 2"/>
           <p:cNvSpPr>
             <a:spLocks noGrp="1"/>
           </p:cNvSpPr>
@@ -894,8 +895,8 @@
         </p:nvSpPr>
         <p:spPr>
           <a:xfrm>
-            <a:off x="831850" y="4589463"/>
-            <a:ext cx="10515600" cy="1500187"/>
+            <a:off x="623888" y="4589464"/>
+            <a:ext cx="7886700" cy="1500187"/>
           </a:xfrm>
         </p:spPr>
         <p:txBody>
@@ -905,9 +906,7 @@
               <a:buNone/>
               <a:defRPr sz="2400">
                 <a:solidFill>
-                  <a:schemeClr val="tx1">
-                    <a:tint val="75000"/>
-                  </a:schemeClr>
+                  <a:schemeClr val="tx1"/>
                 </a:solidFill>
               </a:defRPr>
             </a:lvl1pPr>
@@ -1003,7 +1002,7 @@
       </p:sp>
       <p:sp>
         <p:nvSpPr>
-          <p:cNvPr id="4" name="Дата 3"/>
+          <p:cNvPr id="4" name="Date Placeholder 3"/>
           <p:cNvSpPr>
             <a:spLocks noGrp="1"/>
           </p:cNvSpPr>
@@ -1018,7 +1017,7 @@
           <a:p>
             <a:fld id="{65EAC0B9-C806-493E-B0B4-09E43EA50019}" type="datetimeFigureOut">
               <a:rPr lang="ru-RU" smtClean="0"/>
-              <a:t>01.04.2019</a:t>
+              <a:t>02.06.2019</a:t>
             </a:fld>
             <a:endParaRPr lang="ru-RU"/>
           </a:p>
@@ -1026,7 +1025,7 @@
       </p:sp>
       <p:sp>
         <p:nvSpPr>
-          <p:cNvPr id="5" name="Нижний колонтитул 4"/>
+          <p:cNvPr id="5" name="Footer Placeholder 4"/>
           <p:cNvSpPr>
             <a:spLocks noGrp="1"/>
           </p:cNvSpPr>
@@ -1045,7 +1044,7 @@
       </p:sp>
       <p:sp>
         <p:nvSpPr>
-          <p:cNvPr id="6" name="Номер слайда 5"/>
+          <p:cNvPr id="6" name="Slide Number Placeholder 5"/>
           <p:cNvSpPr>
             <a:spLocks noGrp="1"/>
           </p:cNvSpPr>
@@ -1069,7 +1068,7 @@
     </p:spTree>
     <p:extLst>
       <p:ext uri="{BB962C8B-B14F-4D97-AF65-F5344CB8AC3E}">
-        <p14:creationId xmlns:p14="http://schemas.microsoft.com/office/powerpoint/2010/main" val="1291711169"/>
+        <p14:creationId xmlns:p14="http://schemas.microsoft.com/office/powerpoint/2010/main" val="2524537399"/>
       </p:ext>
     </p:extLst>
   </p:cSld>
@@ -1098,7 +1097,7 @@
       </p:grpSpPr>
       <p:sp>
         <p:nvSpPr>
-          <p:cNvPr id="2" name="Заголовок 1"/>
+          <p:cNvPr id="2" name="Title 1"/>
           <p:cNvSpPr>
             <a:spLocks noGrp="1"/>
           </p:cNvSpPr>
@@ -1115,13 +1114,13 @@
               <a:rPr lang="ru-RU" smtClean="0"/>
               <a:t>Образец заголовка</a:t>
             </a:r>
-            <a:endParaRPr lang="ru-RU"/>
-          </a:p>
-        </p:txBody>
-      </p:sp>
-      <p:sp>
-        <p:nvSpPr>
-          <p:cNvPr id="3" name="Объект 2"/>
+            <a:endParaRPr lang="en-US" dirty="0"/>
+          </a:p>
+        </p:txBody>
+      </p:sp>
+      <p:sp>
+        <p:nvSpPr>
+          <p:cNvPr id="3" name="Content Placeholder 2"/>
           <p:cNvSpPr>
             <a:spLocks noGrp="1"/>
           </p:cNvSpPr>
@@ -1131,8 +1130,8 @@
         </p:nvSpPr>
         <p:spPr>
           <a:xfrm>
-            <a:off x="838200" y="1825625"/>
-            <a:ext cx="5181600" cy="4351338"/>
+            <a:off x="628650" y="1825625"/>
+            <a:ext cx="3886200" cy="4351338"/>
           </a:xfrm>
         </p:spPr>
         <p:txBody>
@@ -1172,13 +1171,13 @@
               <a:rPr lang="ru-RU" smtClean="0"/>
               <a:t>Пятый уровень</a:t>
             </a:r>
-            <a:endParaRPr lang="ru-RU"/>
-          </a:p>
-        </p:txBody>
-      </p:sp>
-      <p:sp>
-        <p:nvSpPr>
-          <p:cNvPr id="4" name="Объект 3"/>
+            <a:endParaRPr lang="en-US" dirty="0"/>
+          </a:p>
+        </p:txBody>
+      </p:sp>
+      <p:sp>
+        <p:nvSpPr>
+          <p:cNvPr id="4" name="Content Placeholder 3"/>
           <p:cNvSpPr>
             <a:spLocks noGrp="1"/>
           </p:cNvSpPr>
@@ -1188,8 +1187,8 @@
         </p:nvSpPr>
         <p:spPr>
           <a:xfrm>
-            <a:off x="6172200" y="1825625"/>
-            <a:ext cx="5181600" cy="4351338"/>
+            <a:off x="4629150" y="1825625"/>
+            <a:ext cx="3886200" cy="4351338"/>
           </a:xfrm>
         </p:spPr>
         <p:txBody>
@@ -1229,13 +1228,13 @@
               <a:rPr lang="ru-RU" smtClean="0"/>
               <a:t>Пятый уровень</a:t>
             </a:r>
-            <a:endParaRPr lang="ru-RU"/>
-          </a:p>
-        </p:txBody>
-      </p:sp>
-      <p:sp>
-        <p:nvSpPr>
-          <p:cNvPr id="5" name="Дата 4"/>
+            <a:endParaRPr lang="en-US" dirty="0"/>
+          </a:p>
+        </p:txBody>
+      </p:sp>
+      <p:sp>
+        <p:nvSpPr>
+          <p:cNvPr id="5" name="Date Placeholder 4"/>
           <p:cNvSpPr>
             <a:spLocks noGrp="1"/>
           </p:cNvSpPr>
@@ -1250,7 +1249,7 @@
           <a:p>
             <a:fld id="{65EAC0B9-C806-493E-B0B4-09E43EA50019}" type="datetimeFigureOut">
               <a:rPr lang="ru-RU" smtClean="0"/>
-              <a:t>01.04.2019</a:t>
+              <a:t>02.06.2019</a:t>
             </a:fld>
             <a:endParaRPr lang="ru-RU"/>
           </a:p>
@@ -1258,7 +1257,7 @@
       </p:sp>
       <p:sp>
         <p:nvSpPr>
-          <p:cNvPr id="6" name="Нижний колонтитул 5"/>
+          <p:cNvPr id="6" name="Footer Placeholder 5"/>
           <p:cNvSpPr>
             <a:spLocks noGrp="1"/>
           </p:cNvSpPr>
@@ -1277,7 +1276,7 @@
       </p:sp>
       <p:sp>
         <p:nvSpPr>
-          <p:cNvPr id="7" name="Номер слайда 6"/>
+          <p:cNvPr id="7" name="Slide Number Placeholder 6"/>
           <p:cNvSpPr>
             <a:spLocks noGrp="1"/>
           </p:cNvSpPr>
@@ -1301,7 +1300,7 @@
     </p:spTree>
     <p:extLst>
       <p:ext uri="{BB962C8B-B14F-4D97-AF65-F5344CB8AC3E}">
-        <p14:creationId xmlns:p14="http://schemas.microsoft.com/office/powerpoint/2010/main" val="3229197285"/>
+        <p14:creationId xmlns:p14="http://schemas.microsoft.com/office/powerpoint/2010/main" val="2562350564"/>
       </p:ext>
     </p:extLst>
   </p:cSld>
@@ -1330,7 +1329,7 @@
       </p:grpSpPr>
       <p:sp>
         <p:nvSpPr>
-          <p:cNvPr id="2" name="Заголовок 1"/>
+          <p:cNvPr id="2" name="Title 1"/>
           <p:cNvSpPr>
             <a:spLocks noGrp="1"/>
           </p:cNvSpPr>
@@ -1340,8 +1339,8 @@
         </p:nvSpPr>
         <p:spPr>
           <a:xfrm>
-            <a:off x="839788" y="365125"/>
-            <a:ext cx="10515600" cy="1325563"/>
+            <a:off x="629841" y="365126"/>
+            <a:ext cx="7886700" cy="1325563"/>
           </a:xfrm>
         </p:spPr>
         <p:txBody>
@@ -1352,13 +1351,13 @@
               <a:rPr lang="ru-RU" smtClean="0"/>
               <a:t>Образец заголовка</a:t>
             </a:r>
-            <a:endParaRPr lang="ru-RU"/>
-          </a:p>
-        </p:txBody>
-      </p:sp>
-      <p:sp>
-        <p:nvSpPr>
-          <p:cNvPr id="3" name="Текст 2"/>
+            <a:endParaRPr lang="en-US" dirty="0"/>
+          </a:p>
+        </p:txBody>
+      </p:sp>
+      <p:sp>
+        <p:nvSpPr>
+          <p:cNvPr id="3" name="Text Placeholder 2"/>
           <p:cNvSpPr>
             <a:spLocks noGrp="1"/>
           </p:cNvSpPr>
@@ -1368,8 +1367,8 @@
         </p:nvSpPr>
         <p:spPr>
           <a:xfrm>
-            <a:off x="839788" y="1681163"/>
-            <a:ext cx="5157787" cy="823912"/>
+            <a:off x="629842" y="1681163"/>
+            <a:ext cx="3868340" cy="823912"/>
           </a:xfrm>
         </p:spPr>
         <p:txBody>
@@ -1423,7 +1422,7 @@
       </p:sp>
       <p:sp>
         <p:nvSpPr>
-          <p:cNvPr id="4" name="Объект 3"/>
+          <p:cNvPr id="4" name="Content Placeholder 3"/>
           <p:cNvSpPr>
             <a:spLocks noGrp="1"/>
           </p:cNvSpPr>
@@ -1433,8 +1432,8 @@
         </p:nvSpPr>
         <p:spPr>
           <a:xfrm>
-            <a:off x="839788" y="2505075"/>
-            <a:ext cx="5157787" cy="3684588"/>
+            <a:off x="629842" y="2505075"/>
+            <a:ext cx="3868340" cy="3684588"/>
           </a:xfrm>
         </p:spPr>
         <p:txBody>
@@ -1474,13 +1473,13 @@
               <a:rPr lang="ru-RU" smtClean="0"/>
               <a:t>Пятый уровень</a:t>
             </a:r>
-            <a:endParaRPr lang="ru-RU"/>
-          </a:p>
-        </p:txBody>
-      </p:sp>
-      <p:sp>
-        <p:nvSpPr>
-          <p:cNvPr id="5" name="Текст 4"/>
+            <a:endParaRPr lang="en-US" dirty="0"/>
+          </a:p>
+        </p:txBody>
+      </p:sp>
+      <p:sp>
+        <p:nvSpPr>
+          <p:cNvPr id="5" name="Text Placeholder 4"/>
           <p:cNvSpPr>
             <a:spLocks noGrp="1"/>
           </p:cNvSpPr>
@@ -1490,8 +1489,8 @@
         </p:nvSpPr>
         <p:spPr>
           <a:xfrm>
-            <a:off x="6172200" y="1681163"/>
-            <a:ext cx="5183188" cy="823912"/>
+            <a:off x="4629150" y="1681163"/>
+            <a:ext cx="3887391" cy="823912"/>
           </a:xfrm>
         </p:spPr>
         <p:txBody>
@@ -1545,7 +1544,7 @@
       </p:sp>
       <p:sp>
         <p:nvSpPr>
-          <p:cNvPr id="6" name="Объект 5"/>
+          <p:cNvPr id="6" name="Content Placeholder 5"/>
           <p:cNvSpPr>
             <a:spLocks noGrp="1"/>
           </p:cNvSpPr>
@@ -1555,8 +1554,8 @@
         </p:nvSpPr>
         <p:spPr>
           <a:xfrm>
-            <a:off x="6172200" y="2505075"/>
-            <a:ext cx="5183188" cy="3684588"/>
+            <a:off x="4629150" y="2505075"/>
+            <a:ext cx="3887391" cy="3684588"/>
           </a:xfrm>
         </p:spPr>
         <p:txBody>
@@ -1596,13 +1595,13 @@
               <a:rPr lang="ru-RU" smtClean="0"/>
               <a:t>Пятый уровень</a:t>
             </a:r>
-            <a:endParaRPr lang="ru-RU"/>
-          </a:p>
-        </p:txBody>
-      </p:sp>
-      <p:sp>
-        <p:nvSpPr>
-          <p:cNvPr id="7" name="Дата 6"/>
+            <a:endParaRPr lang="en-US" dirty="0"/>
+          </a:p>
+        </p:txBody>
+      </p:sp>
+      <p:sp>
+        <p:nvSpPr>
+          <p:cNvPr id="7" name="Date Placeholder 6"/>
           <p:cNvSpPr>
             <a:spLocks noGrp="1"/>
           </p:cNvSpPr>
@@ -1617,7 +1616,7 @@
           <a:p>
             <a:fld id="{65EAC0B9-C806-493E-B0B4-09E43EA50019}" type="datetimeFigureOut">
               <a:rPr lang="ru-RU" smtClean="0"/>
-              <a:t>01.04.2019</a:t>
+              <a:t>02.06.2019</a:t>
             </a:fld>
             <a:endParaRPr lang="ru-RU"/>
           </a:p>
@@ -1625,7 +1624,7 @@
       </p:sp>
       <p:sp>
         <p:nvSpPr>
-          <p:cNvPr id="8" name="Нижний колонтитул 7"/>
+          <p:cNvPr id="8" name="Footer Placeholder 7"/>
           <p:cNvSpPr>
             <a:spLocks noGrp="1"/>
           </p:cNvSpPr>
@@ -1644,7 +1643,7 @@
       </p:sp>
       <p:sp>
         <p:nvSpPr>
-          <p:cNvPr id="9" name="Номер слайда 8"/>
+          <p:cNvPr id="9" name="Slide Number Placeholder 8"/>
           <p:cNvSpPr>
             <a:spLocks noGrp="1"/>
           </p:cNvSpPr>
@@ -1668,7 +1667,7 @@
     </p:spTree>
     <p:extLst>
       <p:ext uri="{BB962C8B-B14F-4D97-AF65-F5344CB8AC3E}">
-        <p14:creationId xmlns:p14="http://schemas.microsoft.com/office/powerpoint/2010/main" val="1770368451"/>
+        <p14:creationId xmlns:p14="http://schemas.microsoft.com/office/powerpoint/2010/main" val="3455500731"/>
       </p:ext>
     </p:extLst>
   </p:cSld>
@@ -1697,7 +1696,7 @@
       </p:grpSpPr>
       <p:sp>
         <p:nvSpPr>
-          <p:cNvPr id="2" name="Заголовок 1"/>
+          <p:cNvPr id="2" name="Title 1"/>
           <p:cNvSpPr>
             <a:spLocks noGrp="1"/>
           </p:cNvSpPr>
@@ -1714,13 +1713,13 @@
               <a:rPr lang="ru-RU" smtClean="0"/>
               <a:t>Образец заголовка</a:t>
             </a:r>
-            <a:endParaRPr lang="ru-RU"/>
-          </a:p>
-        </p:txBody>
-      </p:sp>
-      <p:sp>
-        <p:nvSpPr>
-          <p:cNvPr id="3" name="Дата 2"/>
+            <a:endParaRPr lang="en-US" dirty="0"/>
+          </a:p>
+        </p:txBody>
+      </p:sp>
+      <p:sp>
+        <p:nvSpPr>
+          <p:cNvPr id="3" name="Date Placeholder 2"/>
           <p:cNvSpPr>
             <a:spLocks noGrp="1"/>
           </p:cNvSpPr>
@@ -1735,7 +1734,7 @@
           <a:p>
             <a:fld id="{65EAC0B9-C806-493E-B0B4-09E43EA50019}" type="datetimeFigureOut">
               <a:rPr lang="ru-RU" smtClean="0"/>
-              <a:t>01.04.2019</a:t>
+              <a:t>02.06.2019</a:t>
             </a:fld>
             <a:endParaRPr lang="ru-RU"/>
           </a:p>
@@ -1743,7 +1742,7 @@
       </p:sp>
       <p:sp>
         <p:nvSpPr>
-          <p:cNvPr id="4" name="Нижний колонтитул 3"/>
+          <p:cNvPr id="4" name="Footer Placeholder 3"/>
           <p:cNvSpPr>
             <a:spLocks noGrp="1"/>
           </p:cNvSpPr>
@@ -1762,7 +1761,7 @@
       </p:sp>
       <p:sp>
         <p:nvSpPr>
-          <p:cNvPr id="5" name="Номер слайда 4"/>
+          <p:cNvPr id="5" name="Slide Number Placeholder 4"/>
           <p:cNvSpPr>
             <a:spLocks noGrp="1"/>
           </p:cNvSpPr>
@@ -1786,7 +1785,7 @@
     </p:spTree>
     <p:extLst>
       <p:ext uri="{BB962C8B-B14F-4D97-AF65-F5344CB8AC3E}">
-        <p14:creationId xmlns:p14="http://schemas.microsoft.com/office/powerpoint/2010/main" val="2063756862"/>
+        <p14:creationId xmlns:p14="http://schemas.microsoft.com/office/powerpoint/2010/main" val="2848411592"/>
       </p:ext>
     </p:extLst>
   </p:cSld>
@@ -1815,7 +1814,7 @@
       </p:grpSpPr>
       <p:sp>
         <p:nvSpPr>
-          <p:cNvPr id="2" name="Дата 1"/>
+          <p:cNvPr id="2" name="Date Placeholder 1"/>
           <p:cNvSpPr>
             <a:spLocks noGrp="1"/>
           </p:cNvSpPr>
@@ -1830,7 +1829,7 @@
           <a:p>
             <a:fld id="{65EAC0B9-C806-493E-B0B4-09E43EA50019}" type="datetimeFigureOut">
               <a:rPr lang="ru-RU" smtClean="0"/>
-              <a:t>01.04.2019</a:t>
+              <a:t>02.06.2019</a:t>
             </a:fld>
             <a:endParaRPr lang="ru-RU"/>
           </a:p>
@@ -1838,7 +1837,7 @@
       </p:sp>
       <p:sp>
         <p:nvSpPr>
-          <p:cNvPr id="3" name="Нижний колонтитул 2"/>
+          <p:cNvPr id="3" name="Footer Placeholder 2"/>
           <p:cNvSpPr>
             <a:spLocks noGrp="1"/>
           </p:cNvSpPr>
@@ -1857,7 +1856,7 @@
       </p:sp>
       <p:sp>
         <p:nvSpPr>
-          <p:cNvPr id="4" name="Номер слайда 3"/>
+          <p:cNvPr id="4" name="Slide Number Placeholder 3"/>
           <p:cNvSpPr>
             <a:spLocks noGrp="1"/>
           </p:cNvSpPr>
@@ -1881,7 +1880,7 @@
     </p:spTree>
     <p:extLst>
       <p:ext uri="{BB962C8B-B14F-4D97-AF65-F5344CB8AC3E}">
-        <p14:creationId xmlns:p14="http://schemas.microsoft.com/office/powerpoint/2010/main" val="2445966050"/>
+        <p14:creationId xmlns:p14="http://schemas.microsoft.com/office/powerpoint/2010/main" val="613409147"/>
       </p:ext>
     </p:extLst>
   </p:cSld>
@@ -1910,7 +1909,7 @@
       </p:grpSpPr>
       <p:sp>
         <p:nvSpPr>
-          <p:cNvPr id="2" name="Заголовок 1"/>
+          <p:cNvPr id="2" name="Title 1"/>
           <p:cNvSpPr>
             <a:spLocks noGrp="1"/>
           </p:cNvSpPr>
@@ -1920,8 +1919,8 @@
         </p:nvSpPr>
         <p:spPr>
           <a:xfrm>
-            <a:off x="839788" y="457200"/>
-            <a:ext cx="3932237" cy="1600200"/>
+            <a:off x="629841" y="457200"/>
+            <a:ext cx="2949178" cy="1600200"/>
           </a:xfrm>
         </p:spPr>
         <p:txBody>
@@ -1936,13 +1935,13 @@
               <a:rPr lang="ru-RU" smtClean="0"/>
               <a:t>Образец заголовка</a:t>
             </a:r>
-            <a:endParaRPr lang="ru-RU"/>
-          </a:p>
-        </p:txBody>
-      </p:sp>
-      <p:sp>
-        <p:nvSpPr>
-          <p:cNvPr id="3" name="Объект 2"/>
+            <a:endParaRPr lang="en-US" dirty="0"/>
+          </a:p>
+        </p:txBody>
+      </p:sp>
+      <p:sp>
+        <p:nvSpPr>
+          <p:cNvPr id="3" name="Content Placeholder 2"/>
           <p:cNvSpPr>
             <a:spLocks noGrp="1"/>
           </p:cNvSpPr>
@@ -1952,8 +1951,8 @@
         </p:nvSpPr>
         <p:spPr>
           <a:xfrm>
-            <a:off x="5183188" y="987425"/>
-            <a:ext cx="6172200" cy="4873625"/>
+            <a:off x="3887391" y="987426"/>
+            <a:ext cx="4629150" cy="4873625"/>
           </a:xfrm>
         </p:spPr>
         <p:txBody>
@@ -2021,13 +2020,13 @@
               <a:rPr lang="ru-RU" smtClean="0"/>
               <a:t>Пятый уровень</a:t>
             </a:r>
-            <a:endParaRPr lang="ru-RU"/>
-          </a:p>
-        </p:txBody>
-      </p:sp>
-      <p:sp>
-        <p:nvSpPr>
-          <p:cNvPr id="4" name="Текст 3"/>
+            <a:endParaRPr lang="en-US" dirty="0"/>
+          </a:p>
+        </p:txBody>
+      </p:sp>
+      <p:sp>
+        <p:nvSpPr>
+          <p:cNvPr id="4" name="Text Placeholder 3"/>
           <p:cNvSpPr>
             <a:spLocks noGrp="1"/>
           </p:cNvSpPr>
@@ -2037,8 +2036,8 @@
         </p:nvSpPr>
         <p:spPr>
           <a:xfrm>
-            <a:off x="839788" y="2057400"/>
-            <a:ext cx="3932237" cy="3811588"/>
+            <a:off x="629841" y="2057400"/>
+            <a:ext cx="2949178" cy="3811588"/>
           </a:xfrm>
         </p:spPr>
         <p:txBody>
@@ -2092,7 +2091,7 @@
       </p:sp>
       <p:sp>
         <p:nvSpPr>
-          <p:cNvPr id="5" name="Дата 4"/>
+          <p:cNvPr id="5" name="Date Placeholder 4"/>
           <p:cNvSpPr>
             <a:spLocks noGrp="1"/>
           </p:cNvSpPr>
@@ -2107,7 +2106,7 @@
           <a:p>
             <a:fld id="{65EAC0B9-C806-493E-B0B4-09E43EA50019}" type="datetimeFigureOut">
               <a:rPr lang="ru-RU" smtClean="0"/>
-              <a:t>01.04.2019</a:t>
+              <a:t>02.06.2019</a:t>
             </a:fld>
             <a:endParaRPr lang="ru-RU"/>
           </a:p>
@@ -2115,7 +2114,7 @@
       </p:sp>
       <p:sp>
         <p:nvSpPr>
-          <p:cNvPr id="6" name="Нижний колонтитул 5"/>
+          <p:cNvPr id="6" name="Footer Placeholder 5"/>
           <p:cNvSpPr>
             <a:spLocks noGrp="1"/>
           </p:cNvSpPr>
@@ -2134,7 +2133,7 @@
       </p:sp>
       <p:sp>
         <p:nvSpPr>
-          <p:cNvPr id="7" name="Номер слайда 6"/>
+          <p:cNvPr id="7" name="Slide Number Placeholder 6"/>
           <p:cNvSpPr>
             <a:spLocks noGrp="1"/>
           </p:cNvSpPr>
@@ -2158,7 +2157,7 @@
     </p:spTree>
     <p:extLst>
       <p:ext uri="{BB962C8B-B14F-4D97-AF65-F5344CB8AC3E}">
-        <p14:creationId xmlns:p14="http://schemas.microsoft.com/office/powerpoint/2010/main" val="2535242384"/>
+        <p14:creationId xmlns:p14="http://schemas.microsoft.com/office/powerpoint/2010/main" val="768863727"/>
       </p:ext>
     </p:extLst>
   </p:cSld>
@@ -2187,7 +2186,7 @@
       </p:grpSpPr>
       <p:sp>
         <p:nvSpPr>
-          <p:cNvPr id="2" name="Заголовок 1"/>
+          <p:cNvPr id="2" name="Title 1"/>
           <p:cNvSpPr>
             <a:spLocks noGrp="1"/>
           </p:cNvSpPr>
@@ -2197,8 +2196,8 @@
         </p:nvSpPr>
         <p:spPr>
           <a:xfrm>
-            <a:off x="839788" y="457200"/>
-            <a:ext cx="3932237" cy="1600200"/>
+            <a:off x="629841" y="457200"/>
+            <a:ext cx="2949178" cy="1600200"/>
           </a:xfrm>
         </p:spPr>
         <p:txBody>
@@ -2213,15 +2212,15 @@
               <a:rPr lang="ru-RU" smtClean="0"/>
               <a:t>Образец заголовка</a:t>
             </a:r>
-            <a:endParaRPr lang="ru-RU"/>
-          </a:p>
-        </p:txBody>
-      </p:sp>
-      <p:sp>
-        <p:nvSpPr>
-          <p:cNvPr id="3" name="Рисунок 2"/>
-          <p:cNvSpPr>
-            <a:spLocks noGrp="1"/>
+            <a:endParaRPr lang="en-US" dirty="0"/>
+          </a:p>
+        </p:txBody>
+      </p:sp>
+      <p:sp>
+        <p:nvSpPr>
+          <p:cNvPr id="3" name="Picture Placeholder 2"/>
+          <p:cNvSpPr>
+            <a:spLocks noGrp="1" noChangeAspect="1"/>
           </p:cNvSpPr>
           <p:nvPr>
             <p:ph type="pic" idx="1"/>
@@ -2229,12 +2228,12 @@
         </p:nvSpPr>
         <p:spPr>
           <a:xfrm>
-            <a:off x="5183188" y="987425"/>
-            <a:ext cx="6172200" cy="4873625"/>
+            <a:off x="3887391" y="987426"/>
+            <a:ext cx="4629150" cy="4873625"/>
           </a:xfrm>
         </p:spPr>
         <p:txBody>
-          <a:bodyPr/>
+          <a:bodyPr anchor="t"/>
           <a:lstStyle>
             <a:lvl1pPr marL="0" indent="0">
               <a:buNone/>
@@ -2274,13 +2273,17 @@
             </a:lvl9pPr>
           </a:lstStyle>
           <a:p>
-            <a:endParaRPr lang="ru-RU"/>
-          </a:p>
-        </p:txBody>
-      </p:sp>
-      <p:sp>
-        <p:nvSpPr>
-          <p:cNvPr id="4" name="Текст 3"/>
+            <a:r>
+              <a:rPr lang="ru-RU" smtClean="0"/>
+              <a:t>Вставка рисунка</a:t>
+            </a:r>
+            <a:endParaRPr lang="en-US" dirty="0"/>
+          </a:p>
+        </p:txBody>
+      </p:sp>
+      <p:sp>
+        <p:nvSpPr>
+          <p:cNvPr id="4" name="Text Placeholder 3"/>
           <p:cNvSpPr>
             <a:spLocks noGrp="1"/>
           </p:cNvSpPr>
@@ -2290,8 +2293,8 @@
         </p:nvSpPr>
         <p:spPr>
           <a:xfrm>
-            <a:off x="839788" y="2057400"/>
-            <a:ext cx="3932237" cy="3811588"/>
+            <a:off x="629841" y="2057400"/>
+            <a:ext cx="2949178" cy="3811588"/>
           </a:xfrm>
         </p:spPr>
         <p:txBody>
@@ -2345,7 +2348,7 @@
       </p:sp>
       <p:sp>
         <p:nvSpPr>
-          <p:cNvPr id="5" name="Дата 4"/>
+          <p:cNvPr id="5" name="Date Placeholder 4"/>
           <p:cNvSpPr>
             <a:spLocks noGrp="1"/>
           </p:cNvSpPr>
@@ -2360,7 +2363,7 @@
           <a:p>
             <a:fld id="{65EAC0B9-C806-493E-B0B4-09E43EA50019}" type="datetimeFigureOut">
               <a:rPr lang="ru-RU" smtClean="0"/>
-              <a:t>01.04.2019</a:t>
+              <a:t>02.06.2019</a:t>
             </a:fld>
             <a:endParaRPr lang="ru-RU"/>
           </a:p>
@@ -2368,7 +2371,7 @@
       </p:sp>
       <p:sp>
         <p:nvSpPr>
-          <p:cNvPr id="6" name="Нижний колонтитул 5"/>
+          <p:cNvPr id="6" name="Footer Placeholder 5"/>
           <p:cNvSpPr>
             <a:spLocks noGrp="1"/>
           </p:cNvSpPr>
@@ -2387,7 +2390,7 @@
       </p:sp>
       <p:sp>
         <p:nvSpPr>
-          <p:cNvPr id="7" name="Номер слайда 6"/>
+          <p:cNvPr id="7" name="Slide Number Placeholder 6"/>
           <p:cNvSpPr>
             <a:spLocks noGrp="1"/>
           </p:cNvSpPr>
@@ -2411,7 +2414,7 @@
     </p:spTree>
     <p:extLst>
       <p:ext uri="{BB962C8B-B14F-4D97-AF65-F5344CB8AC3E}">
-        <p14:creationId xmlns:p14="http://schemas.microsoft.com/office/powerpoint/2010/main" val="1091959048"/>
+        <p14:creationId xmlns:p14="http://schemas.microsoft.com/office/powerpoint/2010/main" val="2131560337"/>
       </p:ext>
     </p:extLst>
   </p:cSld>
@@ -2445,7 +2448,7 @@
       </p:grpSpPr>
       <p:sp>
         <p:nvSpPr>
-          <p:cNvPr id="2" name="Заголовок 1"/>
+          <p:cNvPr id="2" name="Title Placeholder 1"/>
           <p:cNvSpPr>
             <a:spLocks noGrp="1"/>
           </p:cNvSpPr>
@@ -2455,8 +2458,8 @@
         </p:nvSpPr>
         <p:spPr>
           <a:xfrm>
-            <a:off x="838200" y="365125"/>
-            <a:ext cx="10515600" cy="1325563"/>
+            <a:off x="628650" y="365126"/>
+            <a:ext cx="7886700" cy="1325563"/>
           </a:xfrm>
           <a:prstGeom prst="rect">
             <a:avLst/>
@@ -2472,13 +2475,13 @@
               <a:rPr lang="ru-RU" smtClean="0"/>
               <a:t>Образец заголовка</a:t>
             </a:r>
-            <a:endParaRPr lang="ru-RU"/>
-          </a:p>
-        </p:txBody>
-      </p:sp>
-      <p:sp>
-        <p:nvSpPr>
-          <p:cNvPr id="3" name="Текст 2"/>
+            <a:endParaRPr lang="en-US" dirty="0"/>
+          </a:p>
+        </p:txBody>
+      </p:sp>
+      <p:sp>
+        <p:nvSpPr>
+          <p:cNvPr id="3" name="Text Placeholder 2"/>
           <p:cNvSpPr>
             <a:spLocks noGrp="1"/>
           </p:cNvSpPr>
@@ -2488,8 +2491,8 @@
         </p:nvSpPr>
         <p:spPr>
           <a:xfrm>
-            <a:off x="838200" y="1825625"/>
-            <a:ext cx="10515600" cy="4351338"/>
+            <a:off x="628650" y="1825625"/>
+            <a:ext cx="7886700" cy="4351338"/>
           </a:xfrm>
           <a:prstGeom prst="rect">
             <a:avLst/>
@@ -2534,13 +2537,13 @@
               <a:rPr lang="ru-RU" smtClean="0"/>
               <a:t>Пятый уровень</a:t>
             </a:r>
-            <a:endParaRPr lang="ru-RU"/>
-          </a:p>
-        </p:txBody>
-      </p:sp>
-      <p:sp>
-        <p:nvSpPr>
-          <p:cNvPr id="4" name="Дата 3"/>
+            <a:endParaRPr lang="en-US" dirty="0"/>
+          </a:p>
+        </p:txBody>
+      </p:sp>
+      <p:sp>
+        <p:nvSpPr>
+          <p:cNvPr id="4" name="Date Placeholder 3"/>
           <p:cNvSpPr>
             <a:spLocks noGrp="1"/>
           </p:cNvSpPr>
@@ -2550,8 +2553,8 @@
         </p:nvSpPr>
         <p:spPr>
           <a:xfrm>
-            <a:off x="838200" y="6356350"/>
-            <a:ext cx="2743200" cy="365125"/>
+            <a:off x="628650" y="6356351"/>
+            <a:ext cx="2057400" cy="365125"/>
           </a:xfrm>
           <a:prstGeom prst="rect">
             <a:avLst/>
@@ -2573,7 +2576,7 @@
           <a:p>
             <a:fld id="{65EAC0B9-C806-493E-B0B4-09E43EA50019}" type="datetimeFigureOut">
               <a:rPr lang="ru-RU" smtClean="0"/>
-              <a:t>01.04.2019</a:t>
+              <a:t>02.06.2019</a:t>
             </a:fld>
             <a:endParaRPr lang="ru-RU"/>
           </a:p>
@@ -2581,7 +2584,7 @@
       </p:sp>
       <p:sp>
         <p:nvSpPr>
-          <p:cNvPr id="5" name="Нижний колонтитул 4"/>
+          <p:cNvPr id="5" name="Footer Placeholder 4"/>
           <p:cNvSpPr>
             <a:spLocks noGrp="1"/>
           </p:cNvSpPr>
@@ -2591,8 +2594,8 @@
         </p:nvSpPr>
         <p:spPr>
           <a:xfrm>
-            <a:off x="4038600" y="6356350"/>
-            <a:ext cx="4114800" cy="365125"/>
+            <a:off x="3028950" y="6356351"/>
+            <a:ext cx="3086100" cy="365125"/>
           </a:xfrm>
           <a:prstGeom prst="rect">
             <a:avLst/>
@@ -2618,7 +2621,7 @@
       </p:sp>
       <p:sp>
         <p:nvSpPr>
-          <p:cNvPr id="6" name="Номер слайда 5"/>
+          <p:cNvPr id="6" name="Slide Number Placeholder 5"/>
           <p:cNvSpPr>
             <a:spLocks noGrp="1"/>
           </p:cNvSpPr>
@@ -2628,8 +2631,8 @@
         </p:nvSpPr>
         <p:spPr>
           <a:xfrm>
-            <a:off x="8610600" y="6356350"/>
-            <a:ext cx="2743200" cy="365125"/>
+            <a:off x="6457950" y="6356351"/>
+            <a:ext cx="2057400" cy="365125"/>
           </a:xfrm>
           <a:prstGeom prst="rect">
             <a:avLst/>
@@ -2660,23 +2663,23 @@
     </p:spTree>
     <p:extLst>
       <p:ext uri="{BB962C8B-B14F-4D97-AF65-F5344CB8AC3E}">
-        <p14:creationId xmlns:p14="http://schemas.microsoft.com/office/powerpoint/2010/main" val="4071510589"/>
+        <p14:creationId xmlns:p14="http://schemas.microsoft.com/office/powerpoint/2010/main" val="3794356342"/>
       </p:ext>
     </p:extLst>
   </p:cSld>
   <p:clrMap bg1="lt1" tx1="dk1" bg2="lt2" tx2="dk2" accent1="accent1" accent2="accent2" accent3="accent3" accent4="accent4" accent5="accent5" accent6="accent6" hlink="hlink" folHlink="folHlink"/>
   <p:sldLayoutIdLst>
-    <p:sldLayoutId id="2147483649" r:id="rId1"/>
-    <p:sldLayoutId id="2147483650" r:id="rId2"/>
-    <p:sldLayoutId id="2147483651" r:id="rId3"/>
-    <p:sldLayoutId id="2147483652" r:id="rId4"/>
-    <p:sldLayoutId id="2147483653" r:id="rId5"/>
-    <p:sldLayoutId id="2147483654" r:id="rId6"/>
-    <p:sldLayoutId id="2147483655" r:id="rId7"/>
-    <p:sldLayoutId id="2147483656" r:id="rId8"/>
-    <p:sldLayoutId id="2147483657" r:id="rId9"/>
-    <p:sldLayoutId id="2147483658" r:id="rId10"/>
-    <p:sldLayoutId id="2147483659" r:id="rId11"/>
+    <p:sldLayoutId id="2147483661" r:id="rId1"/>
+    <p:sldLayoutId id="2147483662" r:id="rId2"/>
+    <p:sldLayoutId id="2147483663" r:id="rId3"/>
+    <p:sldLayoutId id="2147483664" r:id="rId4"/>
+    <p:sldLayoutId id="2147483665" r:id="rId5"/>
+    <p:sldLayoutId id="2147483666" r:id="rId6"/>
+    <p:sldLayoutId id="2147483667" r:id="rId7"/>
+    <p:sldLayoutId id="2147483668" r:id="rId8"/>
+    <p:sldLayoutId id="2147483669" r:id="rId9"/>
+    <p:sldLayoutId id="2147483670" r:id="rId10"/>
+    <p:sldLayoutId id="2147483671" r:id="rId11"/>
   </p:sldLayoutIdLst>
   <p:txStyles>
     <p:titleStyle>
@@ -2864,7 +2867,7 @@
     </p:bodyStyle>
     <p:otherStyle>
       <a:defPPr>
-        <a:defRPr lang="ru-RU"/>
+        <a:defRPr lang="en-US"/>
       </a:defPPr>
       <a:lvl1pPr marL="0" algn="l" defTabSz="914400" rtl="0" eaLnBrk="1" latinLnBrk="0" hangingPunct="1">
         <a:defRPr sz="1800" kern="1200">
@@ -2990,7 +2993,7 @@
         </p:nvSpPr>
         <p:spPr>
           <a:xfrm>
-            <a:off x="1524000" y="1967095"/>
+            <a:off x="0" y="1967095"/>
             <a:ext cx="9144000" cy="2387600"/>
           </a:xfrm>
         </p:spPr>
@@ -3001,24 +3004,28 @@
           <a:lstStyle/>
           <a:p>
             <a:r>
-              <a:rPr lang="ru-RU" dirty="0"/>
+              <a:rPr lang="ru-RU" sz="4400" dirty="0"/>
               <a:t>Применение </a:t>
             </a:r>
             <a:r>
-              <a:rPr lang="ru-RU" dirty="0" err="1" smtClean="0"/>
-              <a:t>автокодировщиков</a:t>
+              <a:rPr lang="ru-RU" sz="4400" dirty="0" err="1"/>
+              <a:t>автокодирующих</a:t>
+            </a:r>
+            <a:r>
+              <a:rPr lang="ru-RU" sz="4400" dirty="0"/>
+              <a:t> нейронных сетей для </a:t>
+            </a:r>
+            <a:r>
+              <a:rPr lang="ru-RU" sz="4400" dirty="0"/>
+              <a:t>предсказания флуоресценции глиом головного мозга по данным </a:t>
+            </a:r>
+            <a:r>
+              <a:rPr lang="ru-RU" sz="4400" dirty="0"/>
+              <a:t>магнитно-резонансной томографии</a:t>
             </a:r>
             <a:r>
               <a:rPr lang="ru-RU" dirty="0" smtClean="0"/>
-              <a:t> для </a:t>
-            </a:r>
-            <a:r>
-              <a:rPr lang="ru-RU" dirty="0"/>
-              <a:t>предсказания флуоресценции глиом головного мозга по данным </a:t>
-            </a:r>
-            <a:r>
-              <a:rPr lang="ru-RU" dirty="0" smtClean="0"/>
-              <a:t>МРТ.</a:t>
+              <a:t>.</a:t>
             </a:r>
             <a:endParaRPr lang="ru-RU" dirty="0"/>
           </a:p>
@@ -3036,7 +3043,7 @@
         </p:nvSpPr>
         <p:spPr>
           <a:xfrm>
-            <a:off x="522515" y="5491798"/>
+            <a:off x="130629" y="5343753"/>
             <a:ext cx="9144000" cy="1655762"/>
           </a:xfrm>
         </p:spPr>
@@ -3048,7 +3055,7 @@
           <a:p>
             <a:pPr algn="l"/>
             <a:r>
-              <a:rPr lang="ru-RU" sz="1800" dirty="0" smtClean="0"/>
+              <a:rPr lang="ru-RU" sz="1800" dirty="0"/>
               <a:t>Выполнил студент: Лавренов Виталий Владимирович</a:t>
             </a:r>
           </a:p>
@@ -3060,11 +3067,38 @@
             </a:r>
             <a:r>
               <a:rPr lang="ru-RU" sz="1800" dirty="0" err="1" smtClean="0"/>
+              <a:t>Брюхов</a:t>
+            </a:r>
+            <a:r>
+              <a:rPr lang="ru-RU" sz="1800" dirty="0" smtClean="0"/>
+              <a:t> Дмитрий Олегович</a:t>
+            </a:r>
+          </a:p>
+          <a:p>
+            <a:pPr algn="l"/>
+            <a:r>
+              <a:rPr lang="ru-RU" sz="1800" dirty="0" smtClean="0"/>
+              <a:t>Научные консультанты: </a:t>
+            </a:r>
+            <a:r>
+              <a:rPr lang="ru-RU" sz="1800" dirty="0" err="1"/>
               <a:t>Шанин</a:t>
             </a:r>
             <a:r>
+              <a:rPr lang="ru-RU" sz="1800" dirty="0"/>
+              <a:t> Иван </a:t>
+            </a:r>
+            <a:r>
               <a:rPr lang="ru-RU" sz="1800" dirty="0" smtClean="0"/>
-              <a:t> Иван Андреевич</a:t>
+              <a:t>Андреевич, </a:t>
+            </a:r>
+            <a:r>
+              <a:rPr lang="ru-RU" sz="1800" dirty="0" err="1" smtClean="0"/>
+              <a:t>Горяйнов</a:t>
+            </a:r>
+            <a:r>
+              <a:rPr lang="ru-RU" sz="1800" dirty="0" smtClean="0"/>
+              <a:t> Сергей Алексеевич </a:t>
             </a:r>
             <a:endParaRPr lang="ru-RU" sz="1800" dirty="0"/>
           </a:p>
@@ -3117,7 +3151,7 @@
           <a:p>
             <a:r>
               <a:rPr lang="ru-RU" dirty="0" smtClean="0"/>
-              <a:t>Результаты</a:t>
+              <a:t>Результаты работы</a:t>
             </a:r>
             <a:endParaRPr lang="ru-RU" dirty="0"/>
           </a:p>
@@ -3148,7 +3182,15 @@
             </a:r>
             <a:r>
               <a:rPr lang="en-US" dirty="0" smtClean="0"/>
-              <a:t>: 0.95(boosting)</a:t>
+              <a:t>: 0.9</a:t>
+            </a:r>
+            <a:r>
+              <a:rPr lang="ru-RU" dirty="0"/>
+              <a:t>9</a:t>
+            </a:r>
+            <a:r>
+              <a:rPr lang="en-US" dirty="0" smtClean="0"/>
+              <a:t>(SVC)</a:t>
             </a:r>
           </a:p>
           <a:p>
@@ -3165,10 +3207,17 @@
               <a:t>autoencoder</a:t>
             </a:r>
             <a:r>
-              <a:rPr lang="en-US" smtClean="0"/>
-              <a:t>: 0.94(boosting)</a:t>
-            </a:r>
-            <a:endParaRPr lang="en-US" dirty="0" smtClean="0"/>
+              <a:rPr lang="en-US" dirty="0" smtClean="0"/>
+              <a:t>: 0.9</a:t>
+            </a:r>
+            <a:r>
+              <a:rPr lang="ru-RU" dirty="0" smtClean="0"/>
+              <a:t>9</a:t>
+            </a:r>
+            <a:r>
+              <a:rPr lang="en-US" dirty="0" smtClean="0"/>
+              <a:t>(SVC)</a:t>
+            </a:r>
           </a:p>
           <a:p>
             <a:r>
@@ -3185,7 +3234,19 @@
             </a:r>
             <a:r>
               <a:rPr lang="en-US" dirty="0" smtClean="0"/>
-              <a:t>: in progress</a:t>
+              <a:t>: </a:t>
+            </a:r>
+            <a:r>
+              <a:rPr lang="ru-RU" dirty="0" smtClean="0"/>
+              <a:t>0.99(</a:t>
+            </a:r>
+            <a:r>
+              <a:rPr lang="en-US" dirty="0" smtClean="0"/>
+              <a:t>SVC</a:t>
+            </a:r>
+            <a:r>
+              <a:rPr lang="ru-RU" dirty="0" smtClean="0"/>
+              <a:t>)</a:t>
             </a:r>
             <a:endParaRPr lang="ru-RU" dirty="0"/>
           </a:p>
@@ -3195,6 +3256,84 @@
     <p:extLst>
       <p:ext uri="{BB962C8B-B14F-4D97-AF65-F5344CB8AC3E}">
         <p14:creationId xmlns:p14="http://schemas.microsoft.com/office/powerpoint/2010/main" val="1313436850"/>
+      </p:ext>
+    </p:extLst>
+  </p:cSld>
+  <p:clrMapOvr>
+    <a:masterClrMapping/>
+  </p:clrMapOvr>
+</p:sld>
+</file>
+
+<file path=ppt/slides/slide11.xml><?xml version="1.0" encoding="utf-8"?>
+<p:sld xmlns:a="http://schemas.openxmlformats.org/drawingml/2006/main" xmlns:r="http://schemas.openxmlformats.org/officeDocument/2006/relationships" xmlns:p="http://schemas.openxmlformats.org/presentationml/2006/main">
+  <p:cSld>
+    <p:spTree>
+      <p:nvGrpSpPr>
+        <p:cNvPr id="1" name=""/>
+        <p:cNvGrpSpPr/>
+        <p:nvPr/>
+      </p:nvGrpSpPr>
+      <p:grpSpPr>
+        <a:xfrm>
+          <a:off x="0" y="0"/>
+          <a:ext cx="0" cy="0"/>
+          <a:chOff x="0" y="0"/>
+          <a:chExt cx="0" cy="0"/>
+        </a:xfrm>
+      </p:grpSpPr>
+      <p:sp>
+        <p:nvSpPr>
+          <p:cNvPr id="2" name="Заголовок 1"/>
+          <p:cNvSpPr>
+            <a:spLocks noGrp="1"/>
+          </p:cNvSpPr>
+          <p:nvPr>
+            <p:ph type="title"/>
+          </p:nvPr>
+        </p:nvSpPr>
+        <p:spPr>
+          <a:xfrm>
+            <a:off x="-685800" y="2550978"/>
+            <a:ext cx="10515600" cy="1325563"/>
+          </a:xfrm>
+        </p:spPr>
+        <p:txBody>
+          <a:bodyPr/>
+          <a:lstStyle/>
+          <a:p>
+            <a:pPr algn="ctr"/>
+            <a:r>
+              <a:rPr lang="ru-RU" dirty="0" smtClean="0"/>
+              <a:t>Спасибо за внимание</a:t>
+            </a:r>
+            <a:endParaRPr lang="ru-RU" dirty="0"/>
+          </a:p>
+        </p:txBody>
+      </p:sp>
+      <p:sp>
+        <p:nvSpPr>
+          <p:cNvPr id="3" name="Объект 2"/>
+          <p:cNvSpPr>
+            <a:spLocks noGrp="1"/>
+          </p:cNvSpPr>
+          <p:nvPr>
+            <p:ph idx="1"/>
+          </p:nvPr>
+        </p:nvSpPr>
+        <p:spPr/>
+        <p:txBody>
+          <a:bodyPr/>
+          <a:lstStyle/>
+          <a:p>
+            <a:endParaRPr lang="ru-RU"/>
+          </a:p>
+        </p:txBody>
+      </p:sp>
+    </p:spTree>
+    <p:extLst>
+      <p:ext uri="{BB962C8B-B14F-4D97-AF65-F5344CB8AC3E}">
+        <p14:creationId xmlns:p14="http://schemas.microsoft.com/office/powerpoint/2010/main" val="3172834091"/>
       </p:ext>
     </p:extLst>
   </p:cSld>
@@ -3238,7 +3377,7 @@
           <a:p>
             <a:r>
               <a:rPr lang="ru-RU" dirty="0" smtClean="0"/>
-              <a:t>Флуоресценция</a:t>
+              <a:t>Постановка задачи</a:t>
             </a:r>
             <a:endParaRPr lang="ru-RU" dirty="0"/>
           </a:p>
@@ -3254,66 +3393,141 @@
             <p:ph idx="1"/>
           </p:nvPr>
         </p:nvSpPr>
-        <p:spPr/>
-        <p:txBody>
-          <a:bodyPr/>
-          <a:lstStyle/>
-          <a:p>
+        <p:spPr>
+          <a:xfrm>
+            <a:off x="612866" y="1825625"/>
+            <a:ext cx="7886700" cy="4351338"/>
+          </a:xfrm>
+        </p:spPr>
+        <p:txBody>
+          <a:bodyPr>
+            <a:normAutofit fontScale="85000" lnSpcReduction="20000"/>
+          </a:bodyPr>
+          <a:lstStyle/>
+          <a:p>
+            <a:r>
+              <a:rPr lang="ru-RU" b="1" dirty="0" smtClean="0"/>
+              <a:t>Цель работы</a:t>
+            </a:r>
+            <a:r>
+              <a:rPr lang="ru-RU" smtClean="0"/>
+              <a:t>: </a:t>
+            </a:r>
+            <a:r>
+              <a:rPr lang="ru-RU" smtClean="0"/>
+              <a:t>предложить </a:t>
+            </a:r>
             <a:r>
               <a:rPr lang="ru-RU" dirty="0" smtClean="0"/>
-              <a:t>Флуоресценция - </a:t>
+              <a:t>подход к предсказанию </a:t>
+            </a:r>
+            <a:r>
+              <a:rPr lang="ru-RU" dirty="0" err="1" smtClean="0"/>
+              <a:t>флоуресценции</a:t>
+            </a:r>
+            <a:r>
+              <a:rPr lang="ru-RU" dirty="0" smtClean="0"/>
+              <a:t> глиом головного мозга</a:t>
+            </a:r>
+            <a:endParaRPr lang="ru-RU" dirty="0" smtClean="0"/>
+          </a:p>
+          <a:p>
+            <a:endParaRPr lang="ru-RU" dirty="0"/>
+          </a:p>
+          <a:p>
+            <a:r>
+              <a:rPr lang="ru-RU" b="1" dirty="0" smtClean="0"/>
+              <a:t>Задачи: </a:t>
+            </a:r>
+          </a:p>
+          <a:p>
+            <a:pPr marL="514350" lvl="0" indent="-514350">
+              <a:buFont typeface="+mj-lt"/>
+              <a:buAutoNum type="arabicPeriod"/>
+            </a:pPr>
+            <a:r>
+              <a:rPr lang="ru-RU" dirty="0" smtClean="0"/>
+              <a:t>изучить </a:t>
             </a:r>
             <a:r>
               <a:rPr lang="ru-RU" dirty="0"/>
-              <a:t>нетепловое свечение </a:t>
+              <a:t>существующие методы и алгоритмы в области анализа </a:t>
             </a:r>
             <a:r>
               <a:rPr lang="ru-RU" dirty="0" smtClean="0"/>
-              <a:t>вещества</a:t>
-            </a:r>
-          </a:p>
-          <a:p>
+              <a:t>медицинских изображений;</a:t>
+            </a:r>
+            <a:endParaRPr lang="ru-RU" dirty="0"/>
+          </a:p>
+          <a:p>
+            <a:pPr marL="514350" lvl="0" indent="-514350">
+              <a:buFont typeface="+mj-lt"/>
+              <a:buAutoNum type="arabicPeriod"/>
+            </a:pPr>
+            <a:r>
+              <a:rPr lang="ru-RU" dirty="0"/>
+              <a:t>разработать подход для предсказания флуоресценции глиом головного мозга по набору в </a:t>
+            </a:r>
             <a:r>
               <a:rPr lang="ru-RU" dirty="0" smtClean="0"/>
-              <a:t>Происходит после ввода вещества «</a:t>
-            </a:r>
-            <a:r>
-              <a:rPr lang="ru-RU" dirty="0" err="1" smtClean="0"/>
-              <a:t>Аласенс</a:t>
+              <a:t>некоторых признаков</a:t>
+            </a:r>
+            <a:r>
+              <a:rPr lang="ru-RU" dirty="0"/>
+              <a:t>, описывающих </a:t>
             </a:r>
             <a:r>
               <a:rPr lang="ru-RU" dirty="0" smtClean="0"/>
-              <a:t>»</a:t>
-            </a:r>
-          </a:p>
-          <a:p>
+              <a:t>пациента;</a:t>
+            </a:r>
+            <a:endParaRPr lang="ru-RU" dirty="0"/>
+          </a:p>
+          <a:p>
+            <a:pPr marL="514350" lvl="0" indent="-514350">
+              <a:buFont typeface="+mj-lt"/>
+              <a:buAutoNum type="arabicPeriod"/>
+            </a:pPr>
+            <a:r>
+              <a:rPr lang="ru-RU" dirty="0"/>
+              <a:t>разработать подход для предсказания флуоресценции глиом головного мозга по данным снимка </a:t>
+            </a:r>
             <a:r>
               <a:rPr lang="ru-RU" dirty="0" smtClean="0"/>
-              <a:t>Позволяет точнее удалять опухоль</a:t>
-            </a:r>
-          </a:p>
-          <a:p>
+              <a:t>МРТ;</a:t>
+            </a:r>
             <a:endParaRPr lang="ru-RU" dirty="0"/>
           </a:p>
           <a:p>
-            <a:r>
-              <a:rPr lang="ru-RU" dirty="0" smtClean="0"/>
-              <a:t>Свечение не всегда проявляется</a:t>
-            </a:r>
-          </a:p>
-          <a:p>
-            <a:r>
-              <a:rPr lang="ru-RU" dirty="0" smtClean="0"/>
-              <a:t>Вещество дорогое</a:t>
-            </a:r>
-            <a:endParaRPr lang="ru-RU" dirty="0"/>
+            <a:pPr marL="514350" lvl="0" indent="-514350">
+              <a:buFont typeface="+mj-lt"/>
+              <a:buAutoNum type="arabicPeriod"/>
+            </a:pPr>
+            <a:r>
+              <a:rPr lang="ru-RU" dirty="0"/>
+              <a:t>реализовать на высокоуровневом языке программирования </a:t>
+            </a:r>
+            <a:r>
+              <a:rPr lang="en-US" dirty="0"/>
+              <a:t>python </a:t>
+            </a:r>
+            <a:r>
+              <a:rPr lang="ru-RU" dirty="0"/>
+              <a:t>полученный подходы.</a:t>
+            </a:r>
+          </a:p>
+          <a:p>
+            <a:pPr marL="971550" lvl="1" indent="-514350">
+              <a:buFont typeface="+mj-lt"/>
+              <a:buAutoNum type="arabicPeriod"/>
+            </a:pPr>
+            <a:endParaRPr lang="ru-RU" b="1" dirty="0"/>
           </a:p>
         </p:txBody>
       </p:sp>
     </p:spTree>
     <p:extLst>
       <p:ext uri="{BB962C8B-B14F-4D97-AF65-F5344CB8AC3E}">
-        <p14:creationId xmlns:p14="http://schemas.microsoft.com/office/powerpoint/2010/main" val="3162954422"/>
+        <p14:creationId xmlns:p14="http://schemas.microsoft.com/office/powerpoint/2010/main" val="607459472"/>
       </p:ext>
     </p:extLst>
   </p:cSld>
@@ -3355,43 +3569,84 @@
           <a:bodyPr/>
           <a:lstStyle/>
           <a:p>
-            <a:endParaRPr lang="ru-RU"/>
-          </a:p>
-        </p:txBody>
-      </p:sp>
-      <p:pic>
-        <p:nvPicPr>
-          <p:cNvPr id="4" name="Объект 3"/>
-          <p:cNvPicPr>
-            <a:picLocks noGrp="1" noChangeAspect="1"/>
-          </p:cNvPicPr>
+            <a:r>
+              <a:rPr lang="ru-RU" dirty="0" smtClean="0"/>
+              <a:t>Флуоресценция</a:t>
+            </a:r>
+            <a:endParaRPr lang="ru-RU" dirty="0"/>
+          </a:p>
+        </p:txBody>
+      </p:sp>
+      <p:sp>
+        <p:nvSpPr>
+          <p:cNvPr id="3" name="Объект 2"/>
+          <p:cNvSpPr>
+            <a:spLocks noGrp="1"/>
+          </p:cNvSpPr>
           <p:nvPr>
             <p:ph idx="1"/>
           </p:nvPr>
-        </p:nvPicPr>
-        <p:blipFill>
-          <a:blip r:embed="rId2">
-            <a:extLst>
-              <a:ext uri="{28A0092B-C50C-407E-A947-70E740481C1C}">
-                <a14:useLocalDpi xmlns:a14="http://schemas.microsoft.com/office/drawing/2010/main" val="0"/>
-              </a:ext>
-            </a:extLst>
-          </a:blip>
-          <a:stretch>
-            <a:fillRect/>
-          </a:stretch>
-        </p:blipFill>
-        <p:spPr>
-          <a:xfrm>
-            <a:off x="0" y="0"/>
-            <a:ext cx="12192000" cy="6858000"/>
-          </a:xfrm>
-        </p:spPr>
-      </p:pic>
+        </p:nvSpPr>
+        <p:spPr/>
+        <p:txBody>
+          <a:bodyPr/>
+          <a:lstStyle/>
+          <a:p>
+            <a:r>
+              <a:rPr lang="ru-RU" dirty="0" smtClean="0"/>
+              <a:t>Флуоресценция - </a:t>
+            </a:r>
+            <a:r>
+              <a:rPr lang="ru-RU" dirty="0"/>
+              <a:t>нетепловое свечение </a:t>
+            </a:r>
+            <a:r>
+              <a:rPr lang="ru-RU" dirty="0" smtClean="0"/>
+              <a:t>вещества</a:t>
+            </a:r>
+          </a:p>
+          <a:p>
+            <a:r>
+              <a:rPr lang="ru-RU" dirty="0" smtClean="0"/>
+              <a:t>Происходит после ввода вещества «</a:t>
+            </a:r>
+            <a:r>
+              <a:rPr lang="ru-RU" dirty="0" err="1" smtClean="0"/>
+              <a:t>Аласенс</a:t>
+            </a:r>
+            <a:r>
+              <a:rPr lang="ru-RU" dirty="0" smtClean="0"/>
+              <a:t>»</a:t>
+            </a:r>
+          </a:p>
+          <a:p>
+            <a:r>
+              <a:rPr lang="ru-RU" dirty="0" smtClean="0"/>
+              <a:t>Позволяет точнее удалять опухоль</a:t>
+            </a:r>
+          </a:p>
+          <a:p>
+            <a:endParaRPr lang="ru-RU" dirty="0"/>
+          </a:p>
+          <a:p>
+            <a:r>
+              <a:rPr lang="ru-RU" dirty="0" smtClean="0"/>
+              <a:t>Свечение не всегда проявляется</a:t>
+            </a:r>
+          </a:p>
+          <a:p>
+            <a:r>
+              <a:rPr lang="ru-RU" dirty="0" smtClean="0"/>
+              <a:t>Вещество дорогое</a:t>
+            </a:r>
+            <a:endParaRPr lang="ru-RU" dirty="0"/>
+          </a:p>
+        </p:txBody>
+      </p:sp>
     </p:spTree>
     <p:extLst>
       <p:ext uri="{BB962C8B-B14F-4D97-AF65-F5344CB8AC3E}">
-        <p14:creationId xmlns:p14="http://schemas.microsoft.com/office/powerpoint/2010/main" val="1480619866"/>
+        <p14:creationId xmlns:p14="http://schemas.microsoft.com/office/powerpoint/2010/main" val="3162954422"/>
       </p:ext>
     </p:extLst>
   </p:cSld>
@@ -3435,45 +3690,45 @@
           <a:p>
             <a:r>
               <a:rPr lang="ru-RU" dirty="0" smtClean="0"/>
-              <a:t>Задача</a:t>
+              <a:t>Флуоресценция</a:t>
             </a:r>
             <a:endParaRPr lang="ru-RU" dirty="0"/>
           </a:p>
         </p:txBody>
       </p:sp>
-      <p:sp>
-        <p:nvSpPr>
-          <p:cNvPr id="3" name="Объект 2"/>
-          <p:cNvSpPr>
-            <a:spLocks noGrp="1"/>
-          </p:cNvSpPr>
+      <p:pic>
+        <p:nvPicPr>
+          <p:cNvPr id="4" name="Объект 3"/>
+          <p:cNvPicPr>
+            <a:picLocks noGrp="1" noChangeAspect="1"/>
+          </p:cNvPicPr>
           <p:nvPr>
             <p:ph idx="1"/>
           </p:nvPr>
-        </p:nvSpPr>
-        <p:spPr/>
-        <p:txBody>
-          <a:bodyPr/>
-          <a:lstStyle/>
-          <a:p>
-            <a:r>
-              <a:rPr lang="ru-RU" dirty="0" smtClean="0"/>
-              <a:t>Предсказать будет ли опухоль светиться.</a:t>
-            </a:r>
-          </a:p>
-          <a:p>
-            <a:r>
-              <a:rPr lang="ru-RU" dirty="0" smtClean="0"/>
-              <a:t>В случаях когда опухоль не будет светиться это позволит сэкономить препарат </a:t>
-            </a:r>
-            <a:endParaRPr lang="ru-RU" dirty="0"/>
-          </a:p>
-        </p:txBody>
-      </p:sp>
+        </p:nvPicPr>
+        <p:blipFill>
+          <a:blip r:embed="rId2">
+            <a:extLst>
+              <a:ext uri="{28A0092B-C50C-407E-A947-70E740481C1C}">
+                <a14:useLocalDpi xmlns:a14="http://schemas.microsoft.com/office/drawing/2010/main" val="0"/>
+              </a:ext>
+            </a:extLst>
+          </a:blip>
+          <a:stretch>
+            <a:fillRect/>
+          </a:stretch>
+        </p:blipFill>
+        <p:spPr>
+          <a:xfrm>
+            <a:off x="628650" y="2072639"/>
+            <a:ext cx="7886700" cy="4275909"/>
+          </a:xfrm>
+        </p:spPr>
+      </p:pic>
     </p:spTree>
     <p:extLst>
       <p:ext uri="{BB962C8B-B14F-4D97-AF65-F5344CB8AC3E}">
-        <p14:creationId xmlns:p14="http://schemas.microsoft.com/office/powerpoint/2010/main" val="3673171615"/>
+        <p14:creationId xmlns:p14="http://schemas.microsoft.com/office/powerpoint/2010/main" val="1480619866"/>
       </p:ext>
     </p:extLst>
   </p:cSld>
@@ -3579,16 +3834,7 @@
                 </a:solidFill>
                 <a:cs typeface="Courier New" panose="02070309020205020404" pitchFamily="49" charset="0"/>
               </a:rPr>
-              <a:t>Сторона, </a:t>
-            </a:r>
-            <a:r>
-              <a:rPr lang="ru-RU" altLang="ru-RU" dirty="0">
-                <a:solidFill>
-                  <a:srgbClr val="000000"/>
-                </a:solidFill>
-                <a:cs typeface="Courier New" panose="02070309020205020404" pitchFamily="49" charset="0"/>
-              </a:rPr>
-              <a:t>Л</a:t>
+              <a:t>Сторона, Л</a:t>
             </a:r>
             <a:r>
               <a:rPr lang="ru-RU" altLang="ru-RU" dirty="0" smtClean="0">
@@ -3597,25 +3843,7 @@
                 </a:solidFill>
                 <a:cs typeface="Courier New" panose="02070309020205020404" pitchFamily="49" charset="0"/>
               </a:rPr>
-              <a:t>окализация</a:t>
-            </a:r>
-            <a:r>
-              <a:rPr lang="ru-RU" altLang="ru-RU" dirty="0" smtClean="0">
-                <a:solidFill>
-                  <a:srgbClr val="000000"/>
-                </a:solidFill>
-                <a:cs typeface="Courier New" panose="02070309020205020404" pitchFamily="49" charset="0"/>
-              </a:rPr>
-              <a:t>, </a:t>
-            </a:r>
-            <a:r>
-              <a:rPr lang="ru-RU" altLang="ru-RU" dirty="0" smtClean="0">
-                <a:solidFill>
-                  <a:srgbClr val="000000"/>
-                </a:solidFill>
-                <a:cs typeface="Courier New" panose="02070309020205020404" pitchFamily="49" charset="0"/>
-              </a:rPr>
-              <a:t>ASL-перфузия, </a:t>
+              <a:t>окализация, ASL-перфузия, </a:t>
             </a:r>
             <a:r>
               <a:rPr lang="ru-RU" altLang="ru-RU" dirty="0">
@@ -3642,7 +3870,7 @@
                 </a:solidFill>
                 <a:cs typeface="Courier New" panose="02070309020205020404" pitchFamily="49" charset="0"/>
               </a:rPr>
-              <a:t>До операции, ИК На момент выписки, ИК </a:t>
+              <a:t>До операции, ИК На момент </a:t>
             </a:r>
             <a:r>
               <a:rPr lang="ru-RU" altLang="ru-RU" dirty="0" smtClean="0">
@@ -3651,17 +3879,9 @@
                 </a:solidFill>
                 <a:cs typeface="Courier New" panose="02070309020205020404" pitchFamily="49" charset="0"/>
               </a:rPr>
-              <a:t>Динамика и т.д.</a:t>
-            </a:r>
-            <a:endParaRPr kumimoji="0" lang="ru-RU" altLang="ru-RU" sz="5400" b="0" i="0" u="none" strike="noStrike" cap="none" normalizeH="0" baseline="0" dirty="0" smtClean="0">
-              <a:ln>
-                <a:noFill/>
-              </a:ln>
-              <a:solidFill>
-                <a:schemeClr val="tx1"/>
-              </a:solidFill>
-              <a:effectLst/>
-            </a:endParaRPr>
+              <a:t>выписки и т.д.</a:t>
+            </a:r>
+            <a:endParaRPr lang="ru-RU" altLang="ru-RU" sz="5400" dirty="0"/>
           </a:p>
           <a:p>
             <a:r>
@@ -3790,24 +4010,21 @@
             </a:r>
             <a:r>
               <a:rPr lang="ru-RU" dirty="0"/>
-              <a:t> 'Возраст</a:t>
+              <a:t> </a:t>
             </a:r>
             <a:r>
               <a:rPr lang="ru-RU" dirty="0" smtClean="0"/>
-              <a:t>', </a:t>
+              <a:t>Возраст, Признаки локализации, Тип опухали, Гистология </a:t>
             </a:r>
             <a:r>
               <a:rPr lang="ru-RU" dirty="0"/>
-              <a:t>'Лоб', 'Темя', '</a:t>
-            </a:r>
-            <a:r>
-              <a:rPr lang="ru-RU" dirty="0" err="1"/>
-              <a:t>Grade</a:t>
-            </a:r>
-            <a:r>
-              <a:rPr lang="ru-RU" dirty="0"/>
-              <a:t>', 'Гистология' и 'Нормирование ASL'</a:t>
-            </a:r>
+              <a:t>и </a:t>
+            </a:r>
+            <a:r>
+              <a:rPr lang="ru-RU" dirty="0" smtClean="0"/>
+              <a:t>Нормирование ASL</a:t>
+            </a:r>
+            <a:endParaRPr lang="ru-RU" dirty="0"/>
           </a:p>
         </p:txBody>
       </p:sp>
@@ -3833,8 +4050,8 @@
         </p:blipFill>
         <p:spPr>
           <a:xfrm>
-            <a:off x="5276347" y="794618"/>
-            <a:ext cx="6077453" cy="3912294"/>
+            <a:off x="3752348" y="794618"/>
+            <a:ext cx="5104269" cy="3912294"/>
           </a:xfrm>
           <a:prstGeom prst="rect">
             <a:avLst/>
@@ -3918,8 +4135,8 @@
         </p:blipFill>
         <p:spPr>
           <a:xfrm>
-            <a:off x="591671" y="1546412"/>
-            <a:ext cx="11093824" cy="5311588"/>
+            <a:off x="750010" y="1825625"/>
+            <a:ext cx="7643979" cy="4351338"/>
           </a:xfrm>
         </p:spPr>
       </p:pic>
@@ -4116,7 +4333,12 @@
             <p:ph idx="1"/>
           </p:nvPr>
         </p:nvSpPr>
-        <p:spPr/>
+        <p:spPr>
+          <a:xfrm>
+            <a:off x="-685800" y="1825625"/>
+            <a:ext cx="5478056" cy="4351338"/>
+          </a:xfrm>
+        </p:spPr>
         <p:txBody>
           <a:bodyPr/>
           <a:lstStyle/>
@@ -4124,6 +4346,13 @@
             <a:r>
               <a:rPr lang="ru-RU" dirty="0" smtClean="0"/>
               <a:t>Снимки МРТ 89 пациентов</a:t>
+            </a:r>
+            <a:endParaRPr lang="en-US" dirty="0" smtClean="0"/>
+          </a:p>
+          <a:p>
+            <a:r>
+              <a:rPr lang="ru-RU" dirty="0" smtClean="0"/>
+              <a:t>Дополнительные атрибуты: пол, вес и возраст</a:t>
             </a:r>
           </a:p>
           <a:p>
@@ -4161,7 +4390,7 @@
         </p:blipFill>
         <p:spPr>
           <a:xfrm>
-            <a:off x="6316256" y="1083960"/>
+            <a:off x="4792256" y="1083961"/>
             <a:ext cx="5037544" cy="5093003"/>
           </a:xfrm>
           <a:prstGeom prst="rect">
@@ -4185,7 +4414,7 @@
 <file path=ppt/theme/theme1.xml><?xml version="1.0" encoding="utf-8"?>
 <a:theme xmlns:a="http://schemas.openxmlformats.org/drawingml/2006/main" name="Тема Office">
   <a:themeElements>
-    <a:clrScheme name="Стандартная">
+    <a:clrScheme name="Тема Office">
       <a:dk1>
         <a:sysClr val="windowText" lastClr="000000"/>
       </a:dk1>
@@ -4223,7 +4452,7 @@
         <a:srgbClr val="954F72"/>
       </a:folHlink>
     </a:clrScheme>
-    <a:fontScheme name="Стандартная">
+    <a:fontScheme name="Тема Office">
       <a:majorFont>
         <a:latin typeface="Calibri Light" panose="020F0302020204030204"/>
         <a:ea typeface=""/>
@@ -4295,7 +4524,7 @@
         <a:font script="Geor" typeface="Sylfaen"/>
       </a:minorFont>
     </a:fontScheme>
-    <a:fmtScheme name="Стандартная">
+    <a:fmtScheme name="Тема Office">
       <a:fillStyleLst>
         <a:solidFill>
           <a:schemeClr val="phClr"/>
